--- a/chapter_03/tables/01_forecasts_types.pptx
+++ b/chapter_03/tables/01_forecasts_types.pptx
@@ -2,12 +2,12 @@
 <file path=ppt/presentation.xml><?xml version="1.0" encoding="utf-8"?>
 <p:presentation xmlns:a="http://schemas.openxmlformats.org/drawingml/2006/main" xmlns:r="http://schemas.openxmlformats.org/officeDocument/2006/relationships" xmlns:p="http://schemas.openxmlformats.org/presentationml/2006/main" saveSubsetFonts="1">
   <p:sldMasterIdLst>
-    <p:sldMasterId id="2147483720" r:id="rId1"/>
+    <p:sldMasterId id="2147483732" r:id="rId1"/>
   </p:sldMasterIdLst>
   <p:sldIdLst>
     <p:sldId id="257" r:id="rId2"/>
   </p:sldIdLst>
-  <p:sldSz cx="4140200" cy="1836738"/>
+  <p:sldSz cx="4140200" cy="1908175"/>
   <p:notesSz cx="6858000" cy="9144000"/>
   <p:defaultTextStyle>
     <a:defPPr>
@@ -115,7 +115,7 @@
 <file path=ppt/revisionInfo.xml><?xml version="1.0" encoding="utf-8"?>
 <p1510:revInfo xmlns:a="http://schemas.openxmlformats.org/drawingml/2006/main" xmlns:r="http://schemas.openxmlformats.org/officeDocument/2006/relationships" xmlns:p1510="http://schemas.microsoft.com/office/powerpoint/2015/10/main">
   <p1510:revLst>
-    <p1510:client id="{9499B2B4-FAAC-435D-8D03-AF2D062895C2}" v="16" dt="2025-05-14T14:23:17.231"/>
+    <p1510:client id="{9499B2B4-FAAC-435D-8D03-AF2D062895C2}" v="19" dt="2025-05-26T07:08:59.083"/>
   </p1510:revLst>
 </p1510:revInfo>
 </file>
@@ -165,16 +165,24 @@
   <pc:docChgLst>
     <pc:chgData name="Fatima Pillosu" userId="a6295d4dc9e22643" providerId="LiveId" clId="{9499B2B4-FAAC-435D-8D03-AF2D062895C2}"/>
     <pc:docChg chg="undo custSel modSld">
-      <pc:chgData name="Fatima Pillosu" userId="a6295d4dc9e22643" providerId="LiveId" clId="{9499B2B4-FAAC-435D-8D03-AF2D062895C2}" dt="2025-05-14T14:24:07.944" v="520" actId="14734"/>
+      <pc:chgData name="Fatima Pillosu" userId="a6295d4dc9e22643" providerId="LiveId" clId="{9499B2B4-FAAC-435D-8D03-AF2D062895C2}" dt="2025-05-26T07:08:59.082" v="624"/>
       <pc:docMkLst>
         <pc:docMk/>
       </pc:docMkLst>
       <pc:sldChg chg="addSp delSp modSp mod">
-        <pc:chgData name="Fatima Pillosu" userId="a6295d4dc9e22643" providerId="LiveId" clId="{9499B2B4-FAAC-435D-8D03-AF2D062895C2}" dt="2025-05-14T14:24:07.944" v="520" actId="14734"/>
+        <pc:chgData name="Fatima Pillosu" userId="a6295d4dc9e22643" providerId="LiveId" clId="{9499B2B4-FAAC-435D-8D03-AF2D062895C2}" dt="2025-05-26T07:08:59.082" v="624"/>
         <pc:sldMkLst>
           <pc:docMk/>
           <pc:sldMk cId="3020345181" sldId="257"/>
         </pc:sldMkLst>
+        <pc:spChg chg="add del">
+          <ac:chgData name="Fatima Pillosu" userId="a6295d4dc9e22643" providerId="LiveId" clId="{9499B2B4-FAAC-435D-8D03-AF2D062895C2}" dt="2025-05-26T07:08:44.718" v="622" actId="478"/>
+          <ac:spMkLst>
+            <pc:docMk/>
+            <pc:sldMk cId="3020345181" sldId="257"/>
+            <ac:spMk id="2" creationId="{981F020D-F5CA-1A92-0997-181A277B8659}"/>
+          </ac:spMkLst>
+        </pc:spChg>
         <pc:spChg chg="add del mod">
           <ac:chgData name="Fatima Pillosu" userId="a6295d4dc9e22643" providerId="LiveId" clId="{9499B2B4-FAAC-435D-8D03-AF2D062895C2}" dt="2025-05-14T14:23:06.044" v="514" actId="21"/>
           <ac:spMkLst>
@@ -199,6 +207,14 @@
             <ac:spMk id="4" creationId="{50632730-3E98-E472-A120-13C9A3B7EC59}"/>
           </ac:spMkLst>
         </pc:spChg>
+        <pc:spChg chg="add mod">
+          <ac:chgData name="Fatima Pillosu" userId="a6295d4dc9e22643" providerId="LiveId" clId="{9499B2B4-FAAC-435D-8D03-AF2D062895C2}" dt="2025-05-26T07:08:59.082" v="624"/>
+          <ac:spMkLst>
+            <pc:docMk/>
+            <pc:sldMk cId="3020345181" sldId="257"/>
+            <ac:spMk id="4" creationId="{BFB118F7-3AF0-A668-608B-98A47405975A}"/>
+          </ac:spMkLst>
+        </pc:spChg>
         <pc:spChg chg="add del mod">
           <ac:chgData name="Fatima Pillosu" userId="a6295d4dc9e22643" providerId="LiveId" clId="{9499B2B4-FAAC-435D-8D03-AF2D062895C2}" dt="2025-05-14T14:18:32.659" v="451" actId="21"/>
           <ac:spMkLst>
@@ -207,8 +223,8 @@
             <ac:spMk id="7" creationId="{BFB118F7-3AF0-A668-608B-98A47405975A}"/>
           </ac:spMkLst>
         </pc:spChg>
-        <pc:spChg chg="add mod">
-          <ac:chgData name="Fatima Pillosu" userId="a6295d4dc9e22643" providerId="LiveId" clId="{9499B2B4-FAAC-435D-8D03-AF2D062895C2}" dt="2025-05-14T14:23:35.950" v="518" actId="115"/>
+        <pc:spChg chg="add del mod">
+          <ac:chgData name="Fatima Pillosu" userId="a6295d4dc9e22643" providerId="LiveId" clId="{9499B2B4-FAAC-435D-8D03-AF2D062895C2}" dt="2025-05-26T07:08:45.774" v="623" actId="21"/>
           <ac:spMkLst>
             <pc:docMk/>
             <pc:sldMk cId="3020345181" sldId="257"/>
@@ -223,6 +239,14 @@
             <ac:graphicFrameMk id="2" creationId="{15623DAB-A4E1-DF1C-9B96-E2C1CE9DE49A}"/>
           </ac:graphicFrameMkLst>
         </pc:graphicFrameChg>
+        <pc:graphicFrameChg chg="add mod">
+          <ac:chgData name="Fatima Pillosu" userId="a6295d4dc9e22643" providerId="LiveId" clId="{9499B2B4-FAAC-435D-8D03-AF2D062895C2}" dt="2025-05-26T07:08:59.082" v="624"/>
+          <ac:graphicFrameMkLst>
+            <pc:docMk/>
+            <pc:sldMk cId="3020345181" sldId="257"/>
+            <ac:graphicFrameMk id="3" creationId="{15623DAB-A4E1-DF1C-9B96-E2C1CE9DE49A}"/>
+          </ac:graphicFrameMkLst>
+        </pc:graphicFrameChg>
         <pc:graphicFrameChg chg="add del mod modGraphic">
           <ac:chgData name="Fatima Pillosu" userId="a6295d4dc9e22643" providerId="LiveId" clId="{9499B2B4-FAAC-435D-8D03-AF2D062895C2}" dt="2025-05-14T14:18:32.659" v="451" actId="21"/>
           <ac:graphicFrameMkLst>
@@ -232,7 +256,7 @@
           </ac:graphicFrameMkLst>
         </pc:graphicFrameChg>
         <pc:graphicFrameChg chg="add del mod modGraphic">
-          <ac:chgData name="Fatima Pillosu" userId="a6295d4dc9e22643" providerId="LiveId" clId="{9499B2B4-FAAC-435D-8D03-AF2D062895C2}" dt="2025-05-14T14:24:07.944" v="520" actId="14734"/>
+          <ac:chgData name="Fatima Pillosu" userId="a6295d4dc9e22643" providerId="LiveId" clId="{9499B2B4-FAAC-435D-8D03-AF2D062895C2}" dt="2025-05-26T07:08:45.774" v="623" actId="21"/>
           <ac:graphicFrameMkLst>
             <pc:docMk/>
             <pc:sldMk cId="3020345181" sldId="257"/>
@@ -274,15 +298,15 @@
         </p:nvSpPr>
         <p:spPr>
           <a:xfrm>
-            <a:off x="517525" y="300596"/>
-            <a:ext cx="3105150" cy="639457"/>
+            <a:off x="517525" y="312287"/>
+            <a:ext cx="3105150" cy="664328"/>
           </a:xfrm>
         </p:spPr>
         <p:txBody>
           <a:bodyPr anchor="b"/>
           <a:lstStyle>
             <a:lvl1pPr algn="ctr">
-              <a:defRPr sz="1607"/>
+              <a:defRPr sz="1669"/>
             </a:lvl1pPr>
           </a:lstStyle>
           <a:p>
@@ -306,8 +330,8 @@
         </p:nvSpPr>
         <p:spPr>
           <a:xfrm>
-            <a:off x="517525" y="964713"/>
-            <a:ext cx="3105150" cy="443453"/>
+            <a:off x="517525" y="1002234"/>
+            <a:ext cx="3105150" cy="460700"/>
           </a:xfrm>
         </p:spPr>
         <p:txBody>
@@ -315,39 +339,39 @@
           <a:lstStyle>
             <a:lvl1pPr marL="0" indent="0" algn="ctr">
               <a:buNone/>
-              <a:defRPr sz="643"/>
+              <a:defRPr sz="668"/>
             </a:lvl1pPr>
-            <a:lvl2pPr marL="122438" indent="0" algn="ctr">
-              <a:buNone/>
-              <a:defRPr sz="536"/>
+            <a:lvl2pPr marL="127193" indent="0" algn="ctr">
+              <a:buNone/>
+              <a:defRPr sz="556"/>
             </a:lvl2pPr>
-            <a:lvl3pPr marL="244876" indent="0" algn="ctr">
-              <a:buNone/>
-              <a:defRPr sz="482"/>
+            <a:lvl3pPr marL="254386" indent="0" algn="ctr">
+              <a:buNone/>
+              <a:defRPr sz="501"/>
             </a:lvl3pPr>
-            <a:lvl4pPr marL="367314" indent="0" algn="ctr">
-              <a:buNone/>
-              <a:defRPr sz="428"/>
+            <a:lvl4pPr marL="381579" indent="0" algn="ctr">
+              <a:buNone/>
+              <a:defRPr sz="445"/>
             </a:lvl4pPr>
-            <a:lvl5pPr marL="489753" indent="0" algn="ctr">
-              <a:buNone/>
-              <a:defRPr sz="428"/>
+            <a:lvl5pPr marL="508772" indent="0" algn="ctr">
+              <a:buNone/>
+              <a:defRPr sz="445"/>
             </a:lvl5pPr>
-            <a:lvl6pPr marL="612191" indent="0" algn="ctr">
-              <a:buNone/>
-              <a:defRPr sz="428"/>
+            <a:lvl6pPr marL="635965" indent="0" algn="ctr">
+              <a:buNone/>
+              <a:defRPr sz="445"/>
             </a:lvl6pPr>
-            <a:lvl7pPr marL="734629" indent="0" algn="ctr">
-              <a:buNone/>
-              <a:defRPr sz="428"/>
+            <a:lvl7pPr marL="763158" indent="0" algn="ctr">
+              <a:buNone/>
+              <a:defRPr sz="445"/>
             </a:lvl7pPr>
-            <a:lvl8pPr marL="857067" indent="0" algn="ctr">
-              <a:buNone/>
-              <a:defRPr sz="428"/>
+            <a:lvl8pPr marL="890351" indent="0" algn="ctr">
+              <a:buNone/>
+              <a:defRPr sz="445"/>
             </a:lvl8pPr>
-            <a:lvl9pPr marL="979505" indent="0" algn="ctr">
-              <a:buNone/>
-              <a:defRPr sz="428"/>
+            <a:lvl9pPr marL="1017544" indent="0" algn="ctr">
+              <a:buNone/>
+              <a:defRPr sz="445"/>
             </a:lvl9pPr>
           </a:lstStyle>
           <a:p>
@@ -376,7 +400,7 @@
           <a:p>
             <a:fld id="{1FB3EBC5-2BAE-4ECB-A995-B52653FE7498}" type="datetimeFigureOut">
               <a:rPr lang="en-GB" smtClean="0"/>
-              <a:t>14/05/2025</a:t>
+              <a:t>26/05/2025</a:t>
             </a:fld>
             <a:endParaRPr lang="en-GB"/>
           </a:p>
@@ -427,7 +451,7 @@
     </p:spTree>
     <p:extLst>
       <p:ext uri="{BB962C8B-B14F-4D97-AF65-F5344CB8AC3E}">
-        <p14:creationId xmlns:p14="http://schemas.microsoft.com/office/powerpoint/2010/main" val="1927186905"/>
+        <p14:creationId xmlns:p14="http://schemas.microsoft.com/office/powerpoint/2010/main" val="1559622495"/>
       </p:ext>
     </p:extLst>
   </p:cSld>
@@ -546,7 +570,7 @@
           <a:p>
             <a:fld id="{1FB3EBC5-2BAE-4ECB-A995-B52653FE7498}" type="datetimeFigureOut">
               <a:rPr lang="en-GB" smtClean="0"/>
-              <a:t>14/05/2025</a:t>
+              <a:t>26/05/2025</a:t>
             </a:fld>
             <a:endParaRPr lang="en-GB"/>
           </a:p>
@@ -597,7 +621,7 @@
     </p:spTree>
     <p:extLst>
       <p:ext uri="{BB962C8B-B14F-4D97-AF65-F5344CB8AC3E}">
-        <p14:creationId xmlns:p14="http://schemas.microsoft.com/office/powerpoint/2010/main" val="2033676192"/>
+        <p14:creationId xmlns:p14="http://schemas.microsoft.com/office/powerpoint/2010/main" val="3408448717"/>
       </p:ext>
     </p:extLst>
   </p:cSld>
@@ -636,8 +660,8 @@
         </p:nvSpPr>
         <p:spPr>
           <a:xfrm>
-            <a:off x="2962830" y="97789"/>
-            <a:ext cx="892731" cy="1556551"/>
+            <a:off x="2962830" y="101593"/>
+            <a:ext cx="892731" cy="1617090"/>
           </a:xfrm>
         </p:spPr>
         <p:txBody>
@@ -664,8 +688,8 @@
         </p:nvSpPr>
         <p:spPr>
           <a:xfrm>
-            <a:off x="284639" y="97789"/>
-            <a:ext cx="2626439" cy="1556551"/>
+            <a:off x="284639" y="101593"/>
+            <a:ext cx="2626439" cy="1617090"/>
           </a:xfrm>
         </p:spPr>
         <p:txBody>
@@ -726,7 +750,7 @@
           <a:p>
             <a:fld id="{1FB3EBC5-2BAE-4ECB-A995-B52653FE7498}" type="datetimeFigureOut">
               <a:rPr lang="en-GB" smtClean="0"/>
-              <a:t>14/05/2025</a:t>
+              <a:t>26/05/2025</a:t>
             </a:fld>
             <a:endParaRPr lang="en-GB"/>
           </a:p>
@@ -777,7 +801,7 @@
     </p:spTree>
     <p:extLst>
       <p:ext uri="{BB962C8B-B14F-4D97-AF65-F5344CB8AC3E}">
-        <p14:creationId xmlns:p14="http://schemas.microsoft.com/office/powerpoint/2010/main" val="3748536616"/>
+        <p14:creationId xmlns:p14="http://schemas.microsoft.com/office/powerpoint/2010/main" val="334198198"/>
       </p:ext>
     </p:extLst>
   </p:cSld>
@@ -896,7 +920,7 @@
           <a:p>
             <a:fld id="{1FB3EBC5-2BAE-4ECB-A995-B52653FE7498}" type="datetimeFigureOut">
               <a:rPr lang="en-GB" smtClean="0"/>
-              <a:t>14/05/2025</a:t>
+              <a:t>26/05/2025</a:t>
             </a:fld>
             <a:endParaRPr lang="en-GB"/>
           </a:p>
@@ -947,7 +971,7 @@
     </p:spTree>
     <p:extLst>
       <p:ext uri="{BB962C8B-B14F-4D97-AF65-F5344CB8AC3E}">
-        <p14:creationId xmlns:p14="http://schemas.microsoft.com/office/powerpoint/2010/main" val="1832885027"/>
+        <p14:creationId xmlns:p14="http://schemas.microsoft.com/office/powerpoint/2010/main" val="497454085"/>
       </p:ext>
     </p:extLst>
   </p:cSld>
@@ -986,15 +1010,15 @@
         </p:nvSpPr>
         <p:spPr>
           <a:xfrm>
-            <a:off x="282482" y="457909"/>
-            <a:ext cx="3570923" cy="764032"/>
+            <a:off x="282482" y="475719"/>
+            <a:ext cx="3570923" cy="793748"/>
           </a:xfrm>
         </p:spPr>
         <p:txBody>
           <a:bodyPr anchor="b"/>
           <a:lstStyle>
             <a:lvl1pPr>
-              <a:defRPr sz="1607"/>
+              <a:defRPr sz="1669"/>
             </a:lvl1pPr>
           </a:lstStyle>
           <a:p>
@@ -1018,8 +1042,8 @@
         </p:nvSpPr>
         <p:spPr>
           <a:xfrm>
-            <a:off x="282482" y="1229169"/>
-            <a:ext cx="3570923" cy="401786"/>
+            <a:off x="282482" y="1276976"/>
+            <a:ext cx="3570923" cy="417413"/>
           </a:xfrm>
         </p:spPr>
         <p:txBody>
@@ -1027,7 +1051,7 @@
           <a:lstStyle>
             <a:lvl1pPr marL="0" indent="0">
               <a:buNone/>
-              <a:defRPr sz="643">
+              <a:defRPr sz="668">
                 <a:solidFill>
                   <a:schemeClr val="tx1">
                     <a:tint val="82000"/>
@@ -1035,9 +1059,9 @@
                 </a:solidFill>
               </a:defRPr>
             </a:lvl1pPr>
-            <a:lvl2pPr marL="122438" indent="0">
-              <a:buNone/>
-              <a:defRPr sz="536">
+            <a:lvl2pPr marL="127193" indent="0">
+              <a:buNone/>
+              <a:defRPr sz="556">
                 <a:solidFill>
                   <a:schemeClr val="tx1">
                     <a:tint val="82000"/>
@@ -1045,9 +1069,9 @@
                 </a:solidFill>
               </a:defRPr>
             </a:lvl2pPr>
-            <a:lvl3pPr marL="244876" indent="0">
-              <a:buNone/>
-              <a:defRPr sz="482">
+            <a:lvl3pPr marL="254386" indent="0">
+              <a:buNone/>
+              <a:defRPr sz="501">
                 <a:solidFill>
                   <a:schemeClr val="tx1">
                     <a:tint val="82000"/>
@@ -1055,9 +1079,9 @@
                 </a:solidFill>
               </a:defRPr>
             </a:lvl3pPr>
-            <a:lvl4pPr marL="367314" indent="0">
-              <a:buNone/>
-              <a:defRPr sz="428">
+            <a:lvl4pPr marL="381579" indent="0">
+              <a:buNone/>
+              <a:defRPr sz="445">
                 <a:solidFill>
                   <a:schemeClr val="tx1">
                     <a:tint val="82000"/>
@@ -1065,9 +1089,9 @@
                 </a:solidFill>
               </a:defRPr>
             </a:lvl4pPr>
-            <a:lvl5pPr marL="489753" indent="0">
-              <a:buNone/>
-              <a:defRPr sz="428">
+            <a:lvl5pPr marL="508772" indent="0">
+              <a:buNone/>
+              <a:defRPr sz="445">
                 <a:solidFill>
                   <a:schemeClr val="tx1">
                     <a:tint val="82000"/>
@@ -1075,9 +1099,9 @@
                 </a:solidFill>
               </a:defRPr>
             </a:lvl5pPr>
-            <a:lvl6pPr marL="612191" indent="0">
-              <a:buNone/>
-              <a:defRPr sz="428">
+            <a:lvl6pPr marL="635965" indent="0">
+              <a:buNone/>
+              <a:defRPr sz="445">
                 <a:solidFill>
                   <a:schemeClr val="tx1">
                     <a:tint val="82000"/>
@@ -1085,9 +1109,9 @@
                 </a:solidFill>
               </a:defRPr>
             </a:lvl6pPr>
-            <a:lvl7pPr marL="734629" indent="0">
-              <a:buNone/>
-              <a:defRPr sz="428">
+            <a:lvl7pPr marL="763158" indent="0">
+              <a:buNone/>
+              <a:defRPr sz="445">
                 <a:solidFill>
                   <a:schemeClr val="tx1">
                     <a:tint val="82000"/>
@@ -1095,9 +1119,9 @@
                 </a:solidFill>
               </a:defRPr>
             </a:lvl7pPr>
-            <a:lvl8pPr marL="857067" indent="0">
-              <a:buNone/>
-              <a:defRPr sz="428">
+            <a:lvl8pPr marL="890351" indent="0">
+              <a:buNone/>
+              <a:defRPr sz="445">
                 <a:solidFill>
                   <a:schemeClr val="tx1">
                     <a:tint val="82000"/>
@@ -1105,9 +1129,9 @@
                 </a:solidFill>
               </a:defRPr>
             </a:lvl8pPr>
-            <a:lvl9pPr marL="979505" indent="0">
-              <a:buNone/>
-              <a:defRPr sz="428">
+            <a:lvl9pPr marL="1017544" indent="0">
+              <a:buNone/>
+              <a:defRPr sz="445">
                 <a:solidFill>
                   <a:schemeClr val="tx1">
                     <a:tint val="82000"/>
@@ -1142,7 +1166,7 @@
           <a:p>
             <a:fld id="{1FB3EBC5-2BAE-4ECB-A995-B52653FE7498}" type="datetimeFigureOut">
               <a:rPr lang="en-GB" smtClean="0"/>
-              <a:t>14/05/2025</a:t>
+              <a:t>26/05/2025</a:t>
             </a:fld>
             <a:endParaRPr lang="en-GB"/>
           </a:p>
@@ -1193,7 +1217,7 @@
     </p:spTree>
     <p:extLst>
       <p:ext uri="{BB962C8B-B14F-4D97-AF65-F5344CB8AC3E}">
-        <p14:creationId xmlns:p14="http://schemas.microsoft.com/office/powerpoint/2010/main" val="1382386029"/>
+        <p14:creationId xmlns:p14="http://schemas.microsoft.com/office/powerpoint/2010/main" val="3287111375"/>
       </p:ext>
     </p:extLst>
   </p:cSld>
@@ -1255,8 +1279,8 @@
         </p:nvSpPr>
         <p:spPr>
           <a:xfrm>
-            <a:off x="284639" y="488947"/>
-            <a:ext cx="1759585" cy="1165393"/>
+            <a:off x="284639" y="507963"/>
+            <a:ext cx="1759585" cy="1210720"/>
           </a:xfrm>
         </p:spPr>
         <p:txBody>
@@ -1312,8 +1336,8 @@
         </p:nvSpPr>
         <p:spPr>
           <a:xfrm>
-            <a:off x="2095976" y="488947"/>
-            <a:ext cx="1759585" cy="1165393"/>
+            <a:off x="2095976" y="507963"/>
+            <a:ext cx="1759585" cy="1210720"/>
           </a:xfrm>
         </p:spPr>
         <p:txBody>
@@ -1374,7 +1398,7 @@
           <a:p>
             <a:fld id="{1FB3EBC5-2BAE-4ECB-A995-B52653FE7498}" type="datetimeFigureOut">
               <a:rPr lang="en-GB" smtClean="0"/>
-              <a:t>14/05/2025</a:t>
+              <a:t>26/05/2025</a:t>
             </a:fld>
             <a:endParaRPr lang="en-GB"/>
           </a:p>
@@ -1425,7 +1449,7 @@
     </p:spTree>
     <p:extLst>
       <p:ext uri="{BB962C8B-B14F-4D97-AF65-F5344CB8AC3E}">
-        <p14:creationId xmlns:p14="http://schemas.microsoft.com/office/powerpoint/2010/main" val="1932365766"/>
+        <p14:creationId xmlns:p14="http://schemas.microsoft.com/office/powerpoint/2010/main" val="3483549913"/>
       </p:ext>
     </p:extLst>
   </p:cSld>
@@ -1464,8 +1488,8 @@
         </p:nvSpPr>
         <p:spPr>
           <a:xfrm>
-            <a:off x="285178" y="97789"/>
-            <a:ext cx="3570923" cy="355018"/>
+            <a:off x="285178" y="101593"/>
+            <a:ext cx="3570923" cy="368826"/>
           </a:xfrm>
         </p:spPr>
         <p:txBody>
@@ -1492,8 +1516,8 @@
         </p:nvSpPr>
         <p:spPr>
           <a:xfrm>
-            <a:off x="285178" y="450256"/>
-            <a:ext cx="1751499" cy="220664"/>
+            <a:off x="285178" y="467768"/>
+            <a:ext cx="1751499" cy="229246"/>
           </a:xfrm>
         </p:spPr>
         <p:txBody>
@@ -1501,39 +1525,39 @@
           <a:lstStyle>
             <a:lvl1pPr marL="0" indent="0">
               <a:buNone/>
-              <a:defRPr sz="643" b="1"/>
+              <a:defRPr sz="668" b="1"/>
             </a:lvl1pPr>
-            <a:lvl2pPr marL="122438" indent="0">
-              <a:buNone/>
-              <a:defRPr sz="536" b="1"/>
+            <a:lvl2pPr marL="127193" indent="0">
+              <a:buNone/>
+              <a:defRPr sz="556" b="1"/>
             </a:lvl2pPr>
-            <a:lvl3pPr marL="244876" indent="0">
-              <a:buNone/>
-              <a:defRPr sz="482" b="1"/>
+            <a:lvl3pPr marL="254386" indent="0">
+              <a:buNone/>
+              <a:defRPr sz="501" b="1"/>
             </a:lvl3pPr>
-            <a:lvl4pPr marL="367314" indent="0">
-              <a:buNone/>
-              <a:defRPr sz="428" b="1"/>
+            <a:lvl4pPr marL="381579" indent="0">
+              <a:buNone/>
+              <a:defRPr sz="445" b="1"/>
             </a:lvl4pPr>
-            <a:lvl5pPr marL="489753" indent="0">
-              <a:buNone/>
-              <a:defRPr sz="428" b="1"/>
+            <a:lvl5pPr marL="508772" indent="0">
+              <a:buNone/>
+              <a:defRPr sz="445" b="1"/>
             </a:lvl5pPr>
-            <a:lvl6pPr marL="612191" indent="0">
-              <a:buNone/>
-              <a:defRPr sz="428" b="1"/>
+            <a:lvl6pPr marL="635965" indent="0">
+              <a:buNone/>
+              <a:defRPr sz="445" b="1"/>
             </a:lvl6pPr>
-            <a:lvl7pPr marL="734629" indent="0">
-              <a:buNone/>
-              <a:defRPr sz="428" b="1"/>
+            <a:lvl7pPr marL="763158" indent="0">
+              <a:buNone/>
+              <a:defRPr sz="445" b="1"/>
             </a:lvl7pPr>
-            <a:lvl8pPr marL="857067" indent="0">
-              <a:buNone/>
-              <a:defRPr sz="428" b="1"/>
+            <a:lvl8pPr marL="890351" indent="0">
+              <a:buNone/>
+              <a:defRPr sz="445" b="1"/>
             </a:lvl8pPr>
-            <a:lvl9pPr marL="979505" indent="0">
-              <a:buNone/>
-              <a:defRPr sz="428" b="1"/>
+            <a:lvl9pPr marL="1017544" indent="0">
+              <a:buNone/>
+              <a:defRPr sz="445" b="1"/>
             </a:lvl9pPr>
           </a:lstStyle>
           <a:p>
@@ -1557,8 +1581,8 @@
         </p:nvSpPr>
         <p:spPr>
           <a:xfrm>
-            <a:off x="285178" y="670919"/>
-            <a:ext cx="1751499" cy="986822"/>
+            <a:off x="285178" y="697014"/>
+            <a:ext cx="1751499" cy="1025202"/>
           </a:xfrm>
         </p:spPr>
         <p:txBody>
@@ -1614,8 +1638,8 @@
         </p:nvSpPr>
         <p:spPr>
           <a:xfrm>
-            <a:off x="2095976" y="450256"/>
-            <a:ext cx="1760124" cy="220664"/>
+            <a:off x="2095976" y="467768"/>
+            <a:ext cx="1760124" cy="229246"/>
           </a:xfrm>
         </p:spPr>
         <p:txBody>
@@ -1623,39 +1647,39 @@
           <a:lstStyle>
             <a:lvl1pPr marL="0" indent="0">
               <a:buNone/>
-              <a:defRPr sz="643" b="1"/>
+              <a:defRPr sz="668" b="1"/>
             </a:lvl1pPr>
-            <a:lvl2pPr marL="122438" indent="0">
-              <a:buNone/>
-              <a:defRPr sz="536" b="1"/>
+            <a:lvl2pPr marL="127193" indent="0">
+              <a:buNone/>
+              <a:defRPr sz="556" b="1"/>
             </a:lvl2pPr>
-            <a:lvl3pPr marL="244876" indent="0">
-              <a:buNone/>
-              <a:defRPr sz="482" b="1"/>
+            <a:lvl3pPr marL="254386" indent="0">
+              <a:buNone/>
+              <a:defRPr sz="501" b="1"/>
             </a:lvl3pPr>
-            <a:lvl4pPr marL="367314" indent="0">
-              <a:buNone/>
-              <a:defRPr sz="428" b="1"/>
+            <a:lvl4pPr marL="381579" indent="0">
+              <a:buNone/>
+              <a:defRPr sz="445" b="1"/>
             </a:lvl4pPr>
-            <a:lvl5pPr marL="489753" indent="0">
-              <a:buNone/>
-              <a:defRPr sz="428" b="1"/>
+            <a:lvl5pPr marL="508772" indent="0">
+              <a:buNone/>
+              <a:defRPr sz="445" b="1"/>
             </a:lvl5pPr>
-            <a:lvl6pPr marL="612191" indent="0">
-              <a:buNone/>
-              <a:defRPr sz="428" b="1"/>
+            <a:lvl6pPr marL="635965" indent="0">
+              <a:buNone/>
+              <a:defRPr sz="445" b="1"/>
             </a:lvl6pPr>
-            <a:lvl7pPr marL="734629" indent="0">
-              <a:buNone/>
-              <a:defRPr sz="428" b="1"/>
+            <a:lvl7pPr marL="763158" indent="0">
+              <a:buNone/>
+              <a:defRPr sz="445" b="1"/>
             </a:lvl7pPr>
-            <a:lvl8pPr marL="857067" indent="0">
-              <a:buNone/>
-              <a:defRPr sz="428" b="1"/>
+            <a:lvl8pPr marL="890351" indent="0">
+              <a:buNone/>
+              <a:defRPr sz="445" b="1"/>
             </a:lvl8pPr>
-            <a:lvl9pPr marL="979505" indent="0">
-              <a:buNone/>
-              <a:defRPr sz="428" b="1"/>
+            <a:lvl9pPr marL="1017544" indent="0">
+              <a:buNone/>
+              <a:defRPr sz="445" b="1"/>
             </a:lvl9pPr>
           </a:lstStyle>
           <a:p>
@@ -1679,8 +1703,8 @@
         </p:nvSpPr>
         <p:spPr>
           <a:xfrm>
-            <a:off x="2095976" y="670919"/>
-            <a:ext cx="1760124" cy="986822"/>
+            <a:off x="2095976" y="697014"/>
+            <a:ext cx="1760124" cy="1025202"/>
           </a:xfrm>
         </p:spPr>
         <p:txBody>
@@ -1741,7 +1765,7 @@
           <a:p>
             <a:fld id="{1FB3EBC5-2BAE-4ECB-A995-B52653FE7498}" type="datetimeFigureOut">
               <a:rPr lang="en-GB" smtClean="0"/>
-              <a:t>14/05/2025</a:t>
+              <a:t>26/05/2025</a:t>
             </a:fld>
             <a:endParaRPr lang="en-GB"/>
           </a:p>
@@ -1792,7 +1816,7 @@
     </p:spTree>
     <p:extLst>
       <p:ext uri="{BB962C8B-B14F-4D97-AF65-F5344CB8AC3E}">
-        <p14:creationId xmlns:p14="http://schemas.microsoft.com/office/powerpoint/2010/main" val="2843038833"/>
+        <p14:creationId xmlns:p14="http://schemas.microsoft.com/office/powerpoint/2010/main" val="4045334222"/>
       </p:ext>
     </p:extLst>
   </p:cSld>
@@ -1859,7 +1883,7 @@
           <a:p>
             <a:fld id="{1FB3EBC5-2BAE-4ECB-A995-B52653FE7498}" type="datetimeFigureOut">
               <a:rPr lang="en-GB" smtClean="0"/>
-              <a:t>14/05/2025</a:t>
+              <a:t>26/05/2025</a:t>
             </a:fld>
             <a:endParaRPr lang="en-GB"/>
           </a:p>
@@ -1910,7 +1934,7 @@
     </p:spTree>
     <p:extLst>
       <p:ext uri="{BB962C8B-B14F-4D97-AF65-F5344CB8AC3E}">
-        <p14:creationId xmlns:p14="http://schemas.microsoft.com/office/powerpoint/2010/main" val="1858339183"/>
+        <p14:creationId xmlns:p14="http://schemas.microsoft.com/office/powerpoint/2010/main" val="2808969289"/>
       </p:ext>
     </p:extLst>
   </p:cSld>
@@ -1954,7 +1978,7 @@
           <a:p>
             <a:fld id="{1FB3EBC5-2BAE-4ECB-A995-B52653FE7498}" type="datetimeFigureOut">
               <a:rPr lang="en-GB" smtClean="0"/>
-              <a:t>14/05/2025</a:t>
+              <a:t>26/05/2025</a:t>
             </a:fld>
             <a:endParaRPr lang="en-GB"/>
           </a:p>
@@ -2005,7 +2029,7 @@
     </p:spTree>
     <p:extLst>
       <p:ext uri="{BB962C8B-B14F-4D97-AF65-F5344CB8AC3E}">
-        <p14:creationId xmlns:p14="http://schemas.microsoft.com/office/powerpoint/2010/main" val="3202530258"/>
+        <p14:creationId xmlns:p14="http://schemas.microsoft.com/office/powerpoint/2010/main" val="1181939882"/>
       </p:ext>
     </p:extLst>
   </p:cSld>
@@ -2044,15 +2068,15 @@
         </p:nvSpPr>
         <p:spPr>
           <a:xfrm>
-            <a:off x="285178" y="122449"/>
-            <a:ext cx="1335322" cy="428572"/>
+            <a:off x="285178" y="127212"/>
+            <a:ext cx="1335322" cy="445241"/>
           </a:xfrm>
         </p:spPr>
         <p:txBody>
           <a:bodyPr anchor="b"/>
           <a:lstStyle>
             <a:lvl1pPr>
-              <a:defRPr sz="857"/>
+              <a:defRPr sz="890"/>
             </a:lvl1pPr>
           </a:lstStyle>
           <a:p>
@@ -2076,39 +2100,39 @@
         </p:nvSpPr>
         <p:spPr>
           <a:xfrm>
-            <a:off x="1760124" y="264457"/>
-            <a:ext cx="2095976" cy="1305274"/>
+            <a:off x="1760124" y="274742"/>
+            <a:ext cx="2095976" cy="1356041"/>
           </a:xfrm>
         </p:spPr>
         <p:txBody>
           <a:bodyPr/>
           <a:lstStyle>
             <a:lvl1pPr>
-              <a:defRPr sz="857"/>
+              <a:defRPr sz="890"/>
             </a:lvl1pPr>
             <a:lvl2pPr>
-              <a:defRPr sz="750"/>
+              <a:defRPr sz="779"/>
             </a:lvl2pPr>
             <a:lvl3pPr>
-              <a:defRPr sz="643"/>
+              <a:defRPr sz="668"/>
             </a:lvl3pPr>
             <a:lvl4pPr>
-              <a:defRPr sz="536"/>
+              <a:defRPr sz="556"/>
             </a:lvl4pPr>
             <a:lvl5pPr>
-              <a:defRPr sz="536"/>
+              <a:defRPr sz="556"/>
             </a:lvl5pPr>
             <a:lvl6pPr>
-              <a:defRPr sz="536"/>
+              <a:defRPr sz="556"/>
             </a:lvl6pPr>
             <a:lvl7pPr>
-              <a:defRPr sz="536"/>
+              <a:defRPr sz="556"/>
             </a:lvl7pPr>
             <a:lvl8pPr>
-              <a:defRPr sz="536"/>
+              <a:defRPr sz="556"/>
             </a:lvl8pPr>
             <a:lvl9pPr>
-              <a:defRPr sz="536"/>
+              <a:defRPr sz="556"/>
             </a:lvl9pPr>
           </a:lstStyle>
           <a:p>
@@ -2161,8 +2185,8 @@
         </p:nvSpPr>
         <p:spPr>
           <a:xfrm>
-            <a:off x="285178" y="551022"/>
-            <a:ext cx="1335322" cy="1020835"/>
+            <a:off x="285178" y="572453"/>
+            <a:ext cx="1335322" cy="1060539"/>
           </a:xfrm>
         </p:spPr>
         <p:txBody>
@@ -2170,39 +2194,39 @@
           <a:lstStyle>
             <a:lvl1pPr marL="0" indent="0">
               <a:buNone/>
-              <a:defRPr sz="428"/>
+              <a:defRPr sz="445"/>
             </a:lvl1pPr>
-            <a:lvl2pPr marL="122438" indent="0">
-              <a:buNone/>
-              <a:defRPr sz="375"/>
+            <a:lvl2pPr marL="127193" indent="0">
+              <a:buNone/>
+              <a:defRPr sz="389"/>
             </a:lvl2pPr>
-            <a:lvl3pPr marL="244876" indent="0">
-              <a:buNone/>
-              <a:defRPr sz="321"/>
+            <a:lvl3pPr marL="254386" indent="0">
+              <a:buNone/>
+              <a:defRPr sz="334"/>
             </a:lvl3pPr>
-            <a:lvl4pPr marL="367314" indent="0">
-              <a:buNone/>
-              <a:defRPr sz="268"/>
+            <a:lvl4pPr marL="381579" indent="0">
+              <a:buNone/>
+              <a:defRPr sz="278"/>
             </a:lvl4pPr>
-            <a:lvl5pPr marL="489753" indent="0">
-              <a:buNone/>
-              <a:defRPr sz="268"/>
+            <a:lvl5pPr marL="508772" indent="0">
+              <a:buNone/>
+              <a:defRPr sz="278"/>
             </a:lvl5pPr>
-            <a:lvl6pPr marL="612191" indent="0">
-              <a:buNone/>
-              <a:defRPr sz="268"/>
+            <a:lvl6pPr marL="635965" indent="0">
+              <a:buNone/>
+              <a:defRPr sz="278"/>
             </a:lvl6pPr>
-            <a:lvl7pPr marL="734629" indent="0">
-              <a:buNone/>
-              <a:defRPr sz="268"/>
+            <a:lvl7pPr marL="763158" indent="0">
+              <a:buNone/>
+              <a:defRPr sz="278"/>
             </a:lvl7pPr>
-            <a:lvl8pPr marL="857067" indent="0">
-              <a:buNone/>
-              <a:defRPr sz="268"/>
+            <a:lvl8pPr marL="890351" indent="0">
+              <a:buNone/>
+              <a:defRPr sz="278"/>
             </a:lvl8pPr>
-            <a:lvl9pPr marL="979505" indent="0">
-              <a:buNone/>
-              <a:defRPr sz="268"/>
+            <a:lvl9pPr marL="1017544" indent="0">
+              <a:buNone/>
+              <a:defRPr sz="278"/>
             </a:lvl9pPr>
           </a:lstStyle>
           <a:p>
@@ -2231,7 +2255,7 @@
           <a:p>
             <a:fld id="{1FB3EBC5-2BAE-4ECB-A995-B52653FE7498}" type="datetimeFigureOut">
               <a:rPr lang="en-GB" smtClean="0"/>
-              <a:t>14/05/2025</a:t>
+              <a:t>26/05/2025</a:t>
             </a:fld>
             <a:endParaRPr lang="en-GB"/>
           </a:p>
@@ -2282,7 +2306,7 @@
     </p:spTree>
     <p:extLst>
       <p:ext uri="{BB962C8B-B14F-4D97-AF65-F5344CB8AC3E}">
-        <p14:creationId xmlns:p14="http://schemas.microsoft.com/office/powerpoint/2010/main" val="1366352337"/>
+        <p14:creationId xmlns:p14="http://schemas.microsoft.com/office/powerpoint/2010/main" val="1964077865"/>
       </p:ext>
     </p:extLst>
   </p:cSld>
@@ -2321,15 +2345,15 @@
         </p:nvSpPr>
         <p:spPr>
           <a:xfrm>
-            <a:off x="285178" y="122449"/>
-            <a:ext cx="1335322" cy="428572"/>
+            <a:off x="285178" y="127212"/>
+            <a:ext cx="1335322" cy="445241"/>
           </a:xfrm>
         </p:spPr>
         <p:txBody>
           <a:bodyPr anchor="b"/>
           <a:lstStyle>
             <a:lvl1pPr>
-              <a:defRPr sz="857"/>
+              <a:defRPr sz="890"/>
             </a:lvl1pPr>
           </a:lstStyle>
           <a:p>
@@ -2353,8 +2377,8 @@
         </p:nvSpPr>
         <p:spPr>
           <a:xfrm>
-            <a:off x="1760124" y="264457"/>
-            <a:ext cx="2095976" cy="1305274"/>
+            <a:off x="1760124" y="274742"/>
+            <a:ext cx="2095976" cy="1356041"/>
           </a:xfrm>
         </p:spPr>
         <p:txBody>
@@ -2362,39 +2386,39 @@
           <a:lstStyle>
             <a:lvl1pPr marL="0" indent="0">
               <a:buNone/>
-              <a:defRPr sz="857"/>
+              <a:defRPr sz="890"/>
             </a:lvl1pPr>
-            <a:lvl2pPr marL="122438" indent="0">
-              <a:buNone/>
-              <a:defRPr sz="750"/>
+            <a:lvl2pPr marL="127193" indent="0">
+              <a:buNone/>
+              <a:defRPr sz="779"/>
             </a:lvl2pPr>
-            <a:lvl3pPr marL="244876" indent="0">
-              <a:buNone/>
-              <a:defRPr sz="643"/>
+            <a:lvl3pPr marL="254386" indent="0">
+              <a:buNone/>
+              <a:defRPr sz="668"/>
             </a:lvl3pPr>
-            <a:lvl4pPr marL="367314" indent="0">
-              <a:buNone/>
-              <a:defRPr sz="536"/>
+            <a:lvl4pPr marL="381579" indent="0">
+              <a:buNone/>
+              <a:defRPr sz="556"/>
             </a:lvl4pPr>
-            <a:lvl5pPr marL="489753" indent="0">
-              <a:buNone/>
-              <a:defRPr sz="536"/>
+            <a:lvl5pPr marL="508772" indent="0">
+              <a:buNone/>
+              <a:defRPr sz="556"/>
             </a:lvl5pPr>
-            <a:lvl6pPr marL="612191" indent="0">
-              <a:buNone/>
-              <a:defRPr sz="536"/>
+            <a:lvl6pPr marL="635965" indent="0">
+              <a:buNone/>
+              <a:defRPr sz="556"/>
             </a:lvl6pPr>
-            <a:lvl7pPr marL="734629" indent="0">
-              <a:buNone/>
-              <a:defRPr sz="536"/>
+            <a:lvl7pPr marL="763158" indent="0">
+              <a:buNone/>
+              <a:defRPr sz="556"/>
             </a:lvl7pPr>
-            <a:lvl8pPr marL="857067" indent="0">
-              <a:buNone/>
-              <a:defRPr sz="536"/>
+            <a:lvl8pPr marL="890351" indent="0">
+              <a:buNone/>
+              <a:defRPr sz="556"/>
             </a:lvl8pPr>
-            <a:lvl9pPr marL="979505" indent="0">
-              <a:buNone/>
-              <a:defRPr sz="536"/>
+            <a:lvl9pPr marL="1017544" indent="0">
+              <a:buNone/>
+              <a:defRPr sz="556"/>
             </a:lvl9pPr>
           </a:lstStyle>
           <a:p>
@@ -2418,8 +2442,8 @@
         </p:nvSpPr>
         <p:spPr>
           <a:xfrm>
-            <a:off x="285178" y="551022"/>
-            <a:ext cx="1335322" cy="1020835"/>
+            <a:off x="285178" y="572453"/>
+            <a:ext cx="1335322" cy="1060539"/>
           </a:xfrm>
         </p:spPr>
         <p:txBody>
@@ -2427,39 +2451,39 @@
           <a:lstStyle>
             <a:lvl1pPr marL="0" indent="0">
               <a:buNone/>
-              <a:defRPr sz="428"/>
+              <a:defRPr sz="445"/>
             </a:lvl1pPr>
-            <a:lvl2pPr marL="122438" indent="0">
-              <a:buNone/>
-              <a:defRPr sz="375"/>
+            <a:lvl2pPr marL="127193" indent="0">
+              <a:buNone/>
+              <a:defRPr sz="389"/>
             </a:lvl2pPr>
-            <a:lvl3pPr marL="244876" indent="0">
-              <a:buNone/>
-              <a:defRPr sz="321"/>
+            <a:lvl3pPr marL="254386" indent="0">
+              <a:buNone/>
+              <a:defRPr sz="334"/>
             </a:lvl3pPr>
-            <a:lvl4pPr marL="367314" indent="0">
-              <a:buNone/>
-              <a:defRPr sz="268"/>
+            <a:lvl4pPr marL="381579" indent="0">
+              <a:buNone/>
+              <a:defRPr sz="278"/>
             </a:lvl4pPr>
-            <a:lvl5pPr marL="489753" indent="0">
-              <a:buNone/>
-              <a:defRPr sz="268"/>
+            <a:lvl5pPr marL="508772" indent="0">
+              <a:buNone/>
+              <a:defRPr sz="278"/>
             </a:lvl5pPr>
-            <a:lvl6pPr marL="612191" indent="0">
-              <a:buNone/>
-              <a:defRPr sz="268"/>
+            <a:lvl6pPr marL="635965" indent="0">
+              <a:buNone/>
+              <a:defRPr sz="278"/>
             </a:lvl6pPr>
-            <a:lvl7pPr marL="734629" indent="0">
-              <a:buNone/>
-              <a:defRPr sz="268"/>
+            <a:lvl7pPr marL="763158" indent="0">
+              <a:buNone/>
+              <a:defRPr sz="278"/>
             </a:lvl7pPr>
-            <a:lvl8pPr marL="857067" indent="0">
-              <a:buNone/>
-              <a:defRPr sz="268"/>
+            <a:lvl8pPr marL="890351" indent="0">
+              <a:buNone/>
+              <a:defRPr sz="278"/>
             </a:lvl8pPr>
-            <a:lvl9pPr marL="979505" indent="0">
-              <a:buNone/>
-              <a:defRPr sz="268"/>
+            <a:lvl9pPr marL="1017544" indent="0">
+              <a:buNone/>
+              <a:defRPr sz="278"/>
             </a:lvl9pPr>
           </a:lstStyle>
           <a:p>
@@ -2488,7 +2512,7 @@
           <a:p>
             <a:fld id="{1FB3EBC5-2BAE-4ECB-A995-B52653FE7498}" type="datetimeFigureOut">
               <a:rPr lang="en-GB" smtClean="0"/>
-              <a:t>14/05/2025</a:t>
+              <a:t>26/05/2025</a:t>
             </a:fld>
             <a:endParaRPr lang="en-GB"/>
           </a:p>
@@ -2539,7 +2563,7 @@
     </p:spTree>
     <p:extLst>
       <p:ext uri="{BB962C8B-B14F-4D97-AF65-F5344CB8AC3E}">
-        <p14:creationId xmlns:p14="http://schemas.microsoft.com/office/powerpoint/2010/main" val="349420205"/>
+        <p14:creationId xmlns:p14="http://schemas.microsoft.com/office/powerpoint/2010/main" val="282383045"/>
       </p:ext>
     </p:extLst>
   </p:cSld>
@@ -2583,8 +2607,8 @@
         </p:nvSpPr>
         <p:spPr>
           <a:xfrm>
-            <a:off x="284639" y="97789"/>
-            <a:ext cx="3570923" cy="355018"/>
+            <a:off x="284639" y="101593"/>
+            <a:ext cx="3570923" cy="368826"/>
           </a:xfrm>
           <a:prstGeom prst="rect">
             <a:avLst/>
@@ -2616,8 +2640,8 @@
         </p:nvSpPr>
         <p:spPr>
           <a:xfrm>
-            <a:off x="284639" y="488947"/>
-            <a:ext cx="3570923" cy="1165393"/>
+            <a:off x="284639" y="507963"/>
+            <a:ext cx="3570923" cy="1210720"/>
           </a:xfrm>
           <a:prstGeom prst="rect">
             <a:avLst/>
@@ -2678,8 +2702,8 @@
         </p:nvSpPr>
         <p:spPr>
           <a:xfrm>
-            <a:off x="284639" y="1702384"/>
-            <a:ext cx="931545" cy="97789"/>
+            <a:off x="284639" y="1768595"/>
+            <a:ext cx="931545" cy="101593"/>
           </a:xfrm>
           <a:prstGeom prst="rect">
             <a:avLst/>
@@ -2689,7 +2713,7 @@
           <a:bodyPr vert="horz" lIns="91440" tIns="45720" rIns="91440" bIns="45720" rtlCol="0" anchor="ctr"/>
           <a:lstStyle>
             <a:lvl1pPr algn="l">
-              <a:defRPr sz="321">
+              <a:defRPr sz="334">
                 <a:solidFill>
                   <a:schemeClr val="tx1">
                     <a:tint val="82000"/>
@@ -2701,7 +2725,7 @@
           <a:p>
             <a:fld id="{1FB3EBC5-2BAE-4ECB-A995-B52653FE7498}" type="datetimeFigureOut">
               <a:rPr lang="en-GB" smtClean="0"/>
-              <a:t>14/05/2025</a:t>
+              <a:t>26/05/2025</a:t>
             </a:fld>
             <a:endParaRPr lang="en-GB"/>
           </a:p>
@@ -2719,8 +2743,8 @@
         </p:nvSpPr>
         <p:spPr>
           <a:xfrm>
-            <a:off x="1371441" y="1702384"/>
-            <a:ext cx="1397318" cy="97789"/>
+            <a:off x="1371441" y="1768595"/>
+            <a:ext cx="1397318" cy="101593"/>
           </a:xfrm>
           <a:prstGeom prst="rect">
             <a:avLst/>
@@ -2730,7 +2754,7 @@
           <a:bodyPr vert="horz" lIns="91440" tIns="45720" rIns="91440" bIns="45720" rtlCol="0" anchor="ctr"/>
           <a:lstStyle>
             <a:lvl1pPr algn="ctr">
-              <a:defRPr sz="321">
+              <a:defRPr sz="334">
                 <a:solidFill>
                   <a:schemeClr val="tx1">
                     <a:tint val="82000"/>
@@ -2756,8 +2780,8 @@
         </p:nvSpPr>
         <p:spPr>
           <a:xfrm>
-            <a:off x="2924016" y="1702384"/>
-            <a:ext cx="931545" cy="97789"/>
+            <a:off x="2924016" y="1768595"/>
+            <a:ext cx="931545" cy="101593"/>
           </a:xfrm>
           <a:prstGeom prst="rect">
             <a:avLst/>
@@ -2767,7 +2791,7 @@
           <a:bodyPr vert="horz" lIns="91440" tIns="45720" rIns="91440" bIns="45720" rtlCol="0" anchor="ctr"/>
           <a:lstStyle>
             <a:lvl1pPr algn="r">
-              <a:defRPr sz="321">
+              <a:defRPr sz="334">
                 <a:solidFill>
                   <a:schemeClr val="tx1">
                     <a:tint val="82000"/>
@@ -2788,27 +2812,27 @@
     </p:spTree>
     <p:extLst>
       <p:ext uri="{BB962C8B-B14F-4D97-AF65-F5344CB8AC3E}">
-        <p14:creationId xmlns:p14="http://schemas.microsoft.com/office/powerpoint/2010/main" val="1506293500"/>
+        <p14:creationId xmlns:p14="http://schemas.microsoft.com/office/powerpoint/2010/main" val="2482158712"/>
       </p:ext>
     </p:extLst>
   </p:cSld>
   <p:clrMap bg1="lt1" tx1="dk1" bg2="lt2" tx2="dk2" accent1="accent1" accent2="accent2" accent3="accent3" accent4="accent4" accent5="accent5" accent6="accent6" hlink="hlink" folHlink="folHlink"/>
   <p:sldLayoutIdLst>
-    <p:sldLayoutId id="2147483721" r:id="rId1"/>
-    <p:sldLayoutId id="2147483722" r:id="rId2"/>
-    <p:sldLayoutId id="2147483723" r:id="rId3"/>
-    <p:sldLayoutId id="2147483724" r:id="rId4"/>
-    <p:sldLayoutId id="2147483725" r:id="rId5"/>
-    <p:sldLayoutId id="2147483726" r:id="rId6"/>
-    <p:sldLayoutId id="2147483727" r:id="rId7"/>
-    <p:sldLayoutId id="2147483728" r:id="rId8"/>
-    <p:sldLayoutId id="2147483729" r:id="rId9"/>
-    <p:sldLayoutId id="2147483730" r:id="rId10"/>
-    <p:sldLayoutId id="2147483731" r:id="rId11"/>
+    <p:sldLayoutId id="2147483733" r:id="rId1"/>
+    <p:sldLayoutId id="2147483734" r:id="rId2"/>
+    <p:sldLayoutId id="2147483735" r:id="rId3"/>
+    <p:sldLayoutId id="2147483736" r:id="rId4"/>
+    <p:sldLayoutId id="2147483737" r:id="rId5"/>
+    <p:sldLayoutId id="2147483738" r:id="rId6"/>
+    <p:sldLayoutId id="2147483739" r:id="rId7"/>
+    <p:sldLayoutId id="2147483740" r:id="rId8"/>
+    <p:sldLayoutId id="2147483741" r:id="rId9"/>
+    <p:sldLayoutId id="2147483742" r:id="rId10"/>
+    <p:sldLayoutId id="2147483743" r:id="rId11"/>
   </p:sldLayoutIdLst>
   <p:txStyles>
     <p:titleStyle>
-      <a:lvl1pPr algn="l" defTabSz="244876" rtl="0" eaLnBrk="1" latinLnBrk="0" hangingPunct="1">
+      <a:lvl1pPr algn="l" defTabSz="254386" rtl="0" eaLnBrk="1" latinLnBrk="0" hangingPunct="1">
         <a:lnSpc>
           <a:spcPct val="90000"/>
         </a:lnSpc>
@@ -2816,7 +2840,7 @@
           <a:spcPct val="0"/>
         </a:spcBef>
         <a:buNone/>
-        <a:defRPr sz="1178" kern="1200">
+        <a:defRPr sz="1224" kern="1200">
           <a:solidFill>
             <a:schemeClr val="tx1"/>
           </a:solidFill>
@@ -2827,16 +2851,16 @@
       </a:lvl1pPr>
     </p:titleStyle>
     <p:bodyStyle>
-      <a:lvl1pPr marL="61219" indent="-61219" algn="l" defTabSz="244876" rtl="0" eaLnBrk="1" latinLnBrk="0" hangingPunct="1">
+      <a:lvl1pPr marL="63597" indent="-63597" algn="l" defTabSz="254386" rtl="0" eaLnBrk="1" latinLnBrk="0" hangingPunct="1">
         <a:lnSpc>
           <a:spcPct val="90000"/>
         </a:lnSpc>
         <a:spcBef>
-          <a:spcPts val="268"/>
+          <a:spcPts val="278"/>
         </a:spcBef>
         <a:buFont typeface="Arial" panose="020B0604020202020204" pitchFamily="34" charset="0"/>
         <a:buChar char="•"/>
-        <a:defRPr sz="750" kern="1200">
+        <a:defRPr sz="779" kern="1200">
           <a:solidFill>
             <a:schemeClr val="tx1"/>
           </a:solidFill>
@@ -2845,16 +2869,16 @@
           <a:cs typeface="+mn-cs"/>
         </a:defRPr>
       </a:lvl1pPr>
-      <a:lvl2pPr marL="183657" indent="-61219" algn="l" defTabSz="244876" rtl="0" eaLnBrk="1" latinLnBrk="0" hangingPunct="1">
+      <a:lvl2pPr marL="190790" indent="-63597" algn="l" defTabSz="254386" rtl="0" eaLnBrk="1" latinLnBrk="0" hangingPunct="1">
         <a:lnSpc>
           <a:spcPct val="90000"/>
         </a:lnSpc>
         <a:spcBef>
-          <a:spcPts val="134"/>
+          <a:spcPts val="139"/>
         </a:spcBef>
         <a:buFont typeface="Arial" panose="020B0604020202020204" pitchFamily="34" charset="0"/>
         <a:buChar char="•"/>
-        <a:defRPr sz="643" kern="1200">
+        <a:defRPr sz="668" kern="1200">
           <a:solidFill>
             <a:schemeClr val="tx1"/>
           </a:solidFill>
@@ -2863,16 +2887,16 @@
           <a:cs typeface="+mn-cs"/>
         </a:defRPr>
       </a:lvl2pPr>
-      <a:lvl3pPr marL="306095" indent="-61219" algn="l" defTabSz="244876" rtl="0" eaLnBrk="1" latinLnBrk="0" hangingPunct="1">
+      <a:lvl3pPr marL="317983" indent="-63597" algn="l" defTabSz="254386" rtl="0" eaLnBrk="1" latinLnBrk="0" hangingPunct="1">
         <a:lnSpc>
           <a:spcPct val="90000"/>
         </a:lnSpc>
         <a:spcBef>
-          <a:spcPts val="134"/>
+          <a:spcPts val="139"/>
         </a:spcBef>
         <a:buFont typeface="Arial" panose="020B0604020202020204" pitchFamily="34" charset="0"/>
         <a:buChar char="•"/>
-        <a:defRPr sz="536" kern="1200">
+        <a:defRPr sz="556" kern="1200">
           <a:solidFill>
             <a:schemeClr val="tx1"/>
           </a:solidFill>
@@ -2881,16 +2905,16 @@
           <a:cs typeface="+mn-cs"/>
         </a:defRPr>
       </a:lvl3pPr>
-      <a:lvl4pPr marL="428534" indent="-61219" algn="l" defTabSz="244876" rtl="0" eaLnBrk="1" latinLnBrk="0" hangingPunct="1">
+      <a:lvl4pPr marL="445176" indent="-63597" algn="l" defTabSz="254386" rtl="0" eaLnBrk="1" latinLnBrk="0" hangingPunct="1">
         <a:lnSpc>
           <a:spcPct val="90000"/>
         </a:lnSpc>
         <a:spcBef>
-          <a:spcPts val="134"/>
+          <a:spcPts val="139"/>
         </a:spcBef>
         <a:buFont typeface="Arial" panose="020B0604020202020204" pitchFamily="34" charset="0"/>
         <a:buChar char="•"/>
-        <a:defRPr sz="482" kern="1200">
+        <a:defRPr sz="501" kern="1200">
           <a:solidFill>
             <a:schemeClr val="tx1"/>
           </a:solidFill>
@@ -2899,16 +2923,16 @@
           <a:cs typeface="+mn-cs"/>
         </a:defRPr>
       </a:lvl4pPr>
-      <a:lvl5pPr marL="550972" indent="-61219" algn="l" defTabSz="244876" rtl="0" eaLnBrk="1" latinLnBrk="0" hangingPunct="1">
+      <a:lvl5pPr marL="572369" indent="-63597" algn="l" defTabSz="254386" rtl="0" eaLnBrk="1" latinLnBrk="0" hangingPunct="1">
         <a:lnSpc>
           <a:spcPct val="90000"/>
         </a:lnSpc>
         <a:spcBef>
-          <a:spcPts val="134"/>
+          <a:spcPts val="139"/>
         </a:spcBef>
         <a:buFont typeface="Arial" panose="020B0604020202020204" pitchFamily="34" charset="0"/>
         <a:buChar char="•"/>
-        <a:defRPr sz="482" kern="1200">
+        <a:defRPr sz="501" kern="1200">
           <a:solidFill>
             <a:schemeClr val="tx1"/>
           </a:solidFill>
@@ -2917,16 +2941,16 @@
           <a:cs typeface="+mn-cs"/>
         </a:defRPr>
       </a:lvl5pPr>
-      <a:lvl6pPr marL="673410" indent="-61219" algn="l" defTabSz="244876" rtl="0" eaLnBrk="1" latinLnBrk="0" hangingPunct="1">
+      <a:lvl6pPr marL="699562" indent="-63597" algn="l" defTabSz="254386" rtl="0" eaLnBrk="1" latinLnBrk="0" hangingPunct="1">
         <a:lnSpc>
           <a:spcPct val="90000"/>
         </a:lnSpc>
         <a:spcBef>
-          <a:spcPts val="134"/>
+          <a:spcPts val="139"/>
         </a:spcBef>
         <a:buFont typeface="Arial" panose="020B0604020202020204" pitchFamily="34" charset="0"/>
         <a:buChar char="•"/>
-        <a:defRPr sz="482" kern="1200">
+        <a:defRPr sz="501" kern="1200">
           <a:solidFill>
             <a:schemeClr val="tx1"/>
           </a:solidFill>
@@ -2935,16 +2959,16 @@
           <a:cs typeface="+mn-cs"/>
         </a:defRPr>
       </a:lvl6pPr>
-      <a:lvl7pPr marL="795848" indent="-61219" algn="l" defTabSz="244876" rtl="0" eaLnBrk="1" latinLnBrk="0" hangingPunct="1">
+      <a:lvl7pPr marL="826755" indent="-63597" algn="l" defTabSz="254386" rtl="0" eaLnBrk="1" latinLnBrk="0" hangingPunct="1">
         <a:lnSpc>
           <a:spcPct val="90000"/>
         </a:lnSpc>
         <a:spcBef>
-          <a:spcPts val="134"/>
+          <a:spcPts val="139"/>
         </a:spcBef>
         <a:buFont typeface="Arial" panose="020B0604020202020204" pitchFamily="34" charset="0"/>
         <a:buChar char="•"/>
-        <a:defRPr sz="482" kern="1200">
+        <a:defRPr sz="501" kern="1200">
           <a:solidFill>
             <a:schemeClr val="tx1"/>
           </a:solidFill>
@@ -2953,16 +2977,16 @@
           <a:cs typeface="+mn-cs"/>
         </a:defRPr>
       </a:lvl7pPr>
-      <a:lvl8pPr marL="918286" indent="-61219" algn="l" defTabSz="244876" rtl="0" eaLnBrk="1" latinLnBrk="0" hangingPunct="1">
+      <a:lvl8pPr marL="953948" indent="-63597" algn="l" defTabSz="254386" rtl="0" eaLnBrk="1" latinLnBrk="0" hangingPunct="1">
         <a:lnSpc>
           <a:spcPct val="90000"/>
         </a:lnSpc>
         <a:spcBef>
-          <a:spcPts val="134"/>
+          <a:spcPts val="139"/>
         </a:spcBef>
         <a:buFont typeface="Arial" panose="020B0604020202020204" pitchFamily="34" charset="0"/>
         <a:buChar char="•"/>
-        <a:defRPr sz="482" kern="1200">
+        <a:defRPr sz="501" kern="1200">
           <a:solidFill>
             <a:schemeClr val="tx1"/>
           </a:solidFill>
@@ -2971,16 +2995,16 @@
           <a:cs typeface="+mn-cs"/>
         </a:defRPr>
       </a:lvl8pPr>
-      <a:lvl9pPr marL="1040724" indent="-61219" algn="l" defTabSz="244876" rtl="0" eaLnBrk="1" latinLnBrk="0" hangingPunct="1">
+      <a:lvl9pPr marL="1081141" indent="-63597" algn="l" defTabSz="254386" rtl="0" eaLnBrk="1" latinLnBrk="0" hangingPunct="1">
         <a:lnSpc>
           <a:spcPct val="90000"/>
         </a:lnSpc>
         <a:spcBef>
-          <a:spcPts val="134"/>
+          <a:spcPts val="139"/>
         </a:spcBef>
         <a:buFont typeface="Arial" panose="020B0604020202020204" pitchFamily="34" charset="0"/>
         <a:buChar char="•"/>
-        <a:defRPr sz="482" kern="1200">
+        <a:defRPr sz="501" kern="1200">
           <a:solidFill>
             <a:schemeClr val="tx1"/>
           </a:solidFill>
@@ -2994,8 +3018,8 @@
       <a:defPPr>
         <a:defRPr lang="en-US"/>
       </a:defPPr>
-      <a:lvl1pPr marL="0" algn="l" defTabSz="244876" rtl="0" eaLnBrk="1" latinLnBrk="0" hangingPunct="1">
-        <a:defRPr sz="482" kern="1200">
+      <a:lvl1pPr marL="0" algn="l" defTabSz="254386" rtl="0" eaLnBrk="1" latinLnBrk="0" hangingPunct="1">
+        <a:defRPr sz="501" kern="1200">
           <a:solidFill>
             <a:schemeClr val="tx1"/>
           </a:solidFill>
@@ -3004,8 +3028,8 @@
           <a:cs typeface="+mn-cs"/>
         </a:defRPr>
       </a:lvl1pPr>
-      <a:lvl2pPr marL="122438" algn="l" defTabSz="244876" rtl="0" eaLnBrk="1" latinLnBrk="0" hangingPunct="1">
-        <a:defRPr sz="482" kern="1200">
+      <a:lvl2pPr marL="127193" algn="l" defTabSz="254386" rtl="0" eaLnBrk="1" latinLnBrk="0" hangingPunct="1">
+        <a:defRPr sz="501" kern="1200">
           <a:solidFill>
             <a:schemeClr val="tx1"/>
           </a:solidFill>
@@ -3014,8 +3038,8 @@
           <a:cs typeface="+mn-cs"/>
         </a:defRPr>
       </a:lvl2pPr>
-      <a:lvl3pPr marL="244876" algn="l" defTabSz="244876" rtl="0" eaLnBrk="1" latinLnBrk="0" hangingPunct="1">
-        <a:defRPr sz="482" kern="1200">
+      <a:lvl3pPr marL="254386" algn="l" defTabSz="254386" rtl="0" eaLnBrk="1" latinLnBrk="0" hangingPunct="1">
+        <a:defRPr sz="501" kern="1200">
           <a:solidFill>
             <a:schemeClr val="tx1"/>
           </a:solidFill>
@@ -3024,8 +3048,8 @@
           <a:cs typeface="+mn-cs"/>
         </a:defRPr>
       </a:lvl3pPr>
-      <a:lvl4pPr marL="367314" algn="l" defTabSz="244876" rtl="0" eaLnBrk="1" latinLnBrk="0" hangingPunct="1">
-        <a:defRPr sz="482" kern="1200">
+      <a:lvl4pPr marL="381579" algn="l" defTabSz="254386" rtl="0" eaLnBrk="1" latinLnBrk="0" hangingPunct="1">
+        <a:defRPr sz="501" kern="1200">
           <a:solidFill>
             <a:schemeClr val="tx1"/>
           </a:solidFill>
@@ -3034,8 +3058,8 @@
           <a:cs typeface="+mn-cs"/>
         </a:defRPr>
       </a:lvl4pPr>
-      <a:lvl5pPr marL="489753" algn="l" defTabSz="244876" rtl="0" eaLnBrk="1" latinLnBrk="0" hangingPunct="1">
-        <a:defRPr sz="482" kern="1200">
+      <a:lvl5pPr marL="508772" algn="l" defTabSz="254386" rtl="0" eaLnBrk="1" latinLnBrk="0" hangingPunct="1">
+        <a:defRPr sz="501" kern="1200">
           <a:solidFill>
             <a:schemeClr val="tx1"/>
           </a:solidFill>
@@ -3044,8 +3068,8 @@
           <a:cs typeface="+mn-cs"/>
         </a:defRPr>
       </a:lvl5pPr>
-      <a:lvl6pPr marL="612191" algn="l" defTabSz="244876" rtl="0" eaLnBrk="1" latinLnBrk="0" hangingPunct="1">
-        <a:defRPr sz="482" kern="1200">
+      <a:lvl6pPr marL="635965" algn="l" defTabSz="254386" rtl="0" eaLnBrk="1" latinLnBrk="0" hangingPunct="1">
+        <a:defRPr sz="501" kern="1200">
           <a:solidFill>
             <a:schemeClr val="tx1"/>
           </a:solidFill>
@@ -3054,8 +3078,8 @@
           <a:cs typeface="+mn-cs"/>
         </a:defRPr>
       </a:lvl6pPr>
-      <a:lvl7pPr marL="734629" algn="l" defTabSz="244876" rtl="0" eaLnBrk="1" latinLnBrk="0" hangingPunct="1">
-        <a:defRPr sz="482" kern="1200">
+      <a:lvl7pPr marL="763158" algn="l" defTabSz="254386" rtl="0" eaLnBrk="1" latinLnBrk="0" hangingPunct="1">
+        <a:defRPr sz="501" kern="1200">
           <a:solidFill>
             <a:schemeClr val="tx1"/>
           </a:solidFill>
@@ -3064,8 +3088,8 @@
           <a:cs typeface="+mn-cs"/>
         </a:defRPr>
       </a:lvl7pPr>
-      <a:lvl8pPr marL="857067" algn="l" defTabSz="244876" rtl="0" eaLnBrk="1" latinLnBrk="0" hangingPunct="1">
-        <a:defRPr sz="482" kern="1200">
+      <a:lvl8pPr marL="890351" algn="l" defTabSz="254386" rtl="0" eaLnBrk="1" latinLnBrk="0" hangingPunct="1">
+        <a:defRPr sz="501" kern="1200">
           <a:solidFill>
             <a:schemeClr val="tx1"/>
           </a:solidFill>
@@ -3074,8 +3098,8 @@
           <a:cs typeface="+mn-cs"/>
         </a:defRPr>
       </a:lvl8pPr>
-      <a:lvl9pPr marL="979505" algn="l" defTabSz="244876" rtl="0" eaLnBrk="1" latinLnBrk="0" hangingPunct="1">
-        <a:defRPr sz="482" kern="1200">
+      <a:lvl9pPr marL="1017544" algn="l" defTabSz="254386" rtl="0" eaLnBrk="1" latinLnBrk="0" hangingPunct="1">
+        <a:defRPr sz="501" kern="1200">
           <a:solidFill>
             <a:schemeClr val="tx1"/>
           </a:solidFill>
@@ -3108,7 +3132,7 @@
       </p:grpSpPr>
       <p:graphicFrame>
         <p:nvGraphicFramePr>
-          <p:cNvPr id="6" name="Table 5">
+          <p:cNvPr id="3" name="Table 2">
             <a:extLst>
               <a:ext uri="{FF2B5EF4-FFF2-40B4-BE49-F238E27FC236}">
                 <a16:creationId xmlns:a16="http://schemas.microsoft.com/office/drawing/2014/main" id="{15623DAB-A4E1-DF1C-9B96-E2C1CE9DE49A}"/>
@@ -3121,14 +3145,14 @@
           <p:nvPr>
             <p:extLst>
               <p:ext uri="{D42A27DB-BD31-4B8C-83A1-F6EECF244321}">
-                <p14:modId xmlns:p14="http://schemas.microsoft.com/office/powerpoint/2010/main" val="2396026575"/>
+                <p14:modId xmlns:p14="http://schemas.microsoft.com/office/powerpoint/2010/main" val="2405751933"/>
               </p:ext>
             </p:extLst>
           </p:nvPr>
         </p:nvGraphicFramePr>
         <p:xfrm>
           <a:off x="1" y="0"/>
-          <a:ext cx="4140200" cy="1357200"/>
+          <a:ext cx="4140200" cy="1396320"/>
         </p:xfrm>
         <a:graphic>
           <a:graphicData uri="http://schemas.openxmlformats.org/drawingml/2006/table">
@@ -3144,14 +3168,14 @@
                     </a:ext>
                   </a:extLst>
                 </a:gridCol>
-                <a:gridCol w="647700">
+                <a:gridCol w="695145">
                   <a:extLst>
                     <a:ext uri="{9D8B030D-6E8A-4147-A177-3AD203B41FA5}">
                       <a16:colId xmlns:a16="http://schemas.microsoft.com/office/drawing/2014/main" val="950765403"/>
                     </a:ext>
                   </a:extLst>
                 </a:gridCol>
-                <a:gridCol w="657225">
+                <a:gridCol w="609780">
                   <a:extLst>
                     <a:ext uri="{9D8B030D-6E8A-4147-A177-3AD203B41FA5}">
                       <a16:colId xmlns:a16="http://schemas.microsoft.com/office/drawing/2014/main" val="1151685360"/>
@@ -3642,7 +3666,13 @@
                         </a:rPr>
                         <a:t>00 and 12</a:t>
                       </a:r>
-                      <a:endParaRPr lang="en-GB" sz="800" dirty="0">
+                      <a:r>
+                        <a:rPr lang="en-US" sz="800" baseline="30000" dirty="0">
+                          <a:latin typeface="Avenir Next LT Pro" panose="020B0504020202020204" pitchFamily="34" charset="0"/>
+                        </a:rPr>
+                        <a:t>+</a:t>
+                      </a:r>
+                      <a:endParaRPr lang="en-GB" sz="800" baseline="30000" dirty="0">
                         <a:latin typeface="Avenir Next LT Pro" panose="020B0504020202020204" pitchFamily="34" charset="0"/>
                       </a:endParaRPr>
                     </a:p>
@@ -3760,7 +3790,7 @@
       </p:graphicFrame>
       <p:sp>
         <p:nvSpPr>
-          <p:cNvPr id="8" name="TextBox 7">
+          <p:cNvPr id="4" name="TextBox 3">
             <a:extLst>
               <a:ext uri="{FF2B5EF4-FFF2-40B4-BE49-F238E27FC236}">
                 <a16:creationId xmlns:a16="http://schemas.microsoft.com/office/drawing/2014/main" id="{BFB118F7-3AF0-A668-608B-98A47405975A}"/>
@@ -3773,7 +3803,7 @@
         <p:spPr>
           <a:xfrm>
             <a:off x="-57150" y="1371600"/>
-            <a:ext cx="4197350" cy="461665"/>
+            <a:ext cx="4197350" cy="584775"/>
           </a:xfrm>
           <a:prstGeom prst="rect">
             <a:avLst/>
@@ -3893,8 +3923,44 @@
                   </a:schemeClr>
                 </a:solidFill>
                 <a:latin typeface="Avenir Next LT Pro" panose="020B0504020202020204" pitchFamily="34" charset="0"/>
+                <a:hlinkClick r:id="rId2"/>
               </a:rPr>
               <a:t>https://apps.ecmwf.int/mars-catalogue/?class=ea&amp;stream=oper</a:t>
+            </a:r>
+            <a:endParaRPr lang="en-US" sz="800" dirty="0">
+              <a:solidFill>
+                <a:schemeClr val="tx1">
+                  <a:lumMod val="95000"/>
+                  <a:lumOff val="5000"/>
+                </a:schemeClr>
+              </a:solidFill>
+              <a:latin typeface="Avenir Next LT Pro" panose="020B0504020202020204" pitchFamily="34" charset="0"/>
+            </a:endParaRPr>
+          </a:p>
+          <a:p>
+            <a:r>
+              <a:rPr lang="en-US" sz="800" baseline="30000" dirty="0">
+                <a:solidFill>
+                  <a:schemeClr val="tx1">
+                    <a:lumMod val="95000"/>
+                    <a:lumOff val="5000"/>
+                  </a:schemeClr>
+                </a:solidFill>
+                <a:latin typeface="Avenir Next LT Pro" panose="020B0504020202020204" pitchFamily="34" charset="0"/>
+              </a:rPr>
+              <a:t>+</a:t>
+            </a:r>
+            <a:r>
+              <a:rPr lang="en-US" sz="800" dirty="0">
+                <a:solidFill>
+                  <a:schemeClr val="tx1">
+                    <a:lumMod val="95000"/>
+                    <a:lumOff val="5000"/>
+                  </a:schemeClr>
+                </a:solidFill>
+                <a:latin typeface="Avenir Next LT Pro" panose="020B0504020202020204" pitchFamily="34" charset="0"/>
+              </a:rPr>
+              <a:t> The 12 UTC runs in the ERA5’s long-range forecasts were not used in this thesis.</a:t>
             </a:r>
           </a:p>
         </p:txBody>
